--- a/tutorials/pipelines/tut_nn_con_bud_cla/vector files/fig05_big.pptx
+++ b/tutorials/pipelines/tut_nn_con_bud_cla/vector files/fig05_big.pptx
@@ -243,7 +243,7 @@
           <a:p>
             <a:fld id="{CA1BB51F-BFC6-4DD3-8C2A-5B21FD6F69C3}" type="datetimeFigureOut">
               <a:rPr lang="en-SE" smtClean="0"/>
-              <a:t>10/01/2023</a:t>
+              <a:t>2023-10-08</a:t>
             </a:fld>
             <a:endParaRPr lang="en-SE"/>
           </a:p>
@@ -413,7 +413,7 @@
           <a:p>
             <a:fld id="{CA1BB51F-BFC6-4DD3-8C2A-5B21FD6F69C3}" type="datetimeFigureOut">
               <a:rPr lang="en-SE" smtClean="0"/>
-              <a:t>10/01/2023</a:t>
+              <a:t>2023-10-08</a:t>
             </a:fld>
             <a:endParaRPr lang="en-SE"/>
           </a:p>
@@ -593,7 +593,7 @@
           <a:p>
             <a:fld id="{CA1BB51F-BFC6-4DD3-8C2A-5B21FD6F69C3}" type="datetimeFigureOut">
               <a:rPr lang="en-SE" smtClean="0"/>
-              <a:t>10/01/2023</a:t>
+              <a:t>2023-10-08</a:t>
             </a:fld>
             <a:endParaRPr lang="en-SE"/>
           </a:p>
@@ -763,7 +763,7 @@
           <a:p>
             <a:fld id="{CA1BB51F-BFC6-4DD3-8C2A-5B21FD6F69C3}" type="datetimeFigureOut">
               <a:rPr lang="en-SE" smtClean="0"/>
-              <a:t>10/01/2023</a:t>
+              <a:t>2023-10-08</a:t>
             </a:fld>
             <a:endParaRPr lang="en-SE"/>
           </a:p>
@@ -1009,7 +1009,7 @@
           <a:p>
             <a:fld id="{CA1BB51F-BFC6-4DD3-8C2A-5B21FD6F69C3}" type="datetimeFigureOut">
               <a:rPr lang="en-SE" smtClean="0"/>
-              <a:t>10/01/2023</a:t>
+              <a:t>2023-10-08</a:t>
             </a:fld>
             <a:endParaRPr lang="en-SE"/>
           </a:p>
@@ -1241,7 +1241,7 @@
           <a:p>
             <a:fld id="{CA1BB51F-BFC6-4DD3-8C2A-5B21FD6F69C3}" type="datetimeFigureOut">
               <a:rPr lang="en-SE" smtClean="0"/>
-              <a:t>10/01/2023</a:t>
+              <a:t>2023-10-08</a:t>
             </a:fld>
             <a:endParaRPr lang="en-SE"/>
           </a:p>
@@ -1608,7 +1608,7 @@
           <a:p>
             <a:fld id="{CA1BB51F-BFC6-4DD3-8C2A-5B21FD6F69C3}" type="datetimeFigureOut">
               <a:rPr lang="en-SE" smtClean="0"/>
-              <a:t>10/01/2023</a:t>
+              <a:t>2023-10-08</a:t>
             </a:fld>
             <a:endParaRPr lang="en-SE"/>
           </a:p>
@@ -1726,7 +1726,7 @@
           <a:p>
             <a:fld id="{CA1BB51F-BFC6-4DD3-8C2A-5B21FD6F69C3}" type="datetimeFigureOut">
               <a:rPr lang="en-SE" smtClean="0"/>
-              <a:t>10/01/2023</a:t>
+              <a:t>2023-10-08</a:t>
             </a:fld>
             <a:endParaRPr lang="en-SE"/>
           </a:p>
@@ -1821,7 +1821,7 @@
           <a:p>
             <a:fld id="{CA1BB51F-BFC6-4DD3-8C2A-5B21FD6F69C3}" type="datetimeFigureOut">
               <a:rPr lang="en-SE" smtClean="0"/>
-              <a:t>10/01/2023</a:t>
+              <a:t>2023-10-08</a:t>
             </a:fld>
             <a:endParaRPr lang="en-SE"/>
           </a:p>
@@ -2098,7 +2098,7 @@
           <a:p>
             <a:fld id="{CA1BB51F-BFC6-4DD3-8C2A-5B21FD6F69C3}" type="datetimeFigureOut">
               <a:rPr lang="en-SE" smtClean="0"/>
-              <a:t>10/01/2023</a:t>
+              <a:t>2023-10-08</a:t>
             </a:fld>
             <a:endParaRPr lang="en-SE"/>
           </a:p>
@@ -2355,7 +2355,7 @@
           <a:p>
             <a:fld id="{CA1BB51F-BFC6-4DD3-8C2A-5B21FD6F69C3}" type="datetimeFigureOut">
               <a:rPr lang="en-SE" smtClean="0"/>
-              <a:t>10/01/2023</a:t>
+              <a:t>2023-10-08</a:t>
             </a:fld>
             <a:endParaRPr lang="en-SE"/>
           </a:p>
@@ -2568,7 +2568,7 @@
           <a:p>
             <a:fld id="{CA1BB51F-BFC6-4DD3-8C2A-5B21FD6F69C3}" type="datetimeFigureOut">
               <a:rPr lang="en-SE" smtClean="0"/>
-              <a:t>10/01/2023</a:t>
+              <a:t>2023-10-08</a:t>
             </a:fld>
             <a:endParaRPr lang="en-SE"/>
           </a:p>
@@ -2975,10 +2975,10 @@
       </p:grpSpPr>
       <p:grpSp>
         <p:nvGrpSpPr>
-          <p:cNvPr id="13" name="Group 12">
+          <p:cNvPr id="14" name="Group 13">
             <a:extLst>
               <a:ext uri="{FF2B5EF4-FFF2-40B4-BE49-F238E27FC236}">
-                <a16:creationId xmlns:a16="http://schemas.microsoft.com/office/drawing/2014/main" id="{C2C46803-7FDE-1810-A70F-4F6235898DAA}"/>
+                <a16:creationId xmlns:a16="http://schemas.microsoft.com/office/drawing/2014/main" id="{038A9726-7BF2-C03B-DC29-4339F9EDF342}"/>
               </a:ext>
             </a:extLst>
           </p:cNvPr>
@@ -2987,18 +2987,18 @@
         </p:nvGrpSpPr>
         <p:grpSpPr>
           <a:xfrm>
-            <a:off x="1" y="-2001"/>
-            <a:ext cx="8778874" cy="5747481"/>
-            <a:chOff x="0" y="-2001"/>
-            <a:chExt cx="8574197" cy="5488401"/>
+            <a:off x="0" y="292797"/>
+            <a:ext cx="9004613" cy="4720046"/>
+            <a:chOff x="0" y="0"/>
+            <a:chExt cx="9004613" cy="4720046"/>
           </a:xfrm>
         </p:grpSpPr>
         <p:pic>
           <p:nvPicPr>
-            <p:cNvPr id="5" name="Picture 4">
+            <p:cNvPr id="4" name="Picture 3">
               <a:extLst>
                 <a:ext uri="{FF2B5EF4-FFF2-40B4-BE49-F238E27FC236}">
-                  <a16:creationId xmlns:a16="http://schemas.microsoft.com/office/drawing/2014/main" id="{6FAB3A37-0E70-313F-7198-922132B19151}"/>
+                  <a16:creationId xmlns:a16="http://schemas.microsoft.com/office/drawing/2014/main" id="{7B3C45A5-BF7C-DC4B-5D67-4F7D2F011D00}"/>
                 </a:ext>
               </a:extLst>
             </p:cNvPr>
@@ -3015,8 +3015,8 @@
           </p:blipFill>
           <p:spPr>
             <a:xfrm>
-              <a:off x="2165329" y="-2001"/>
-              <a:ext cx="2178423" cy="5486400"/>
+              <a:off x="0" y="0"/>
+              <a:ext cx="2360023" cy="4720046"/>
             </a:xfrm>
             <a:prstGeom prst="rect">
               <a:avLst/>
@@ -3025,10 +3025,10 @@
         </p:pic>
         <p:pic>
           <p:nvPicPr>
-            <p:cNvPr id="3" name="Picture 2">
+            <p:cNvPr id="7" name="Picture 6">
               <a:extLst>
                 <a:ext uri="{FF2B5EF4-FFF2-40B4-BE49-F238E27FC236}">
-                  <a16:creationId xmlns:a16="http://schemas.microsoft.com/office/drawing/2014/main" id="{74F26FD5-EA5F-A621-67E5-01045BE2F4A3}"/>
+                  <a16:creationId xmlns:a16="http://schemas.microsoft.com/office/drawing/2014/main" id="{BB1F8352-BB21-E55A-6C46-E13C13CD65FE}"/>
                 </a:ext>
               </a:extLst>
             </p:cNvPr>
@@ -3045,8 +3045,8 @@
           </p:blipFill>
           <p:spPr>
             <a:xfrm>
-              <a:off x="0" y="0"/>
-              <a:ext cx="2173045" cy="5486400"/>
+              <a:off x="2360023" y="0"/>
+              <a:ext cx="2374070" cy="4720046"/>
             </a:xfrm>
             <a:prstGeom prst="rect">
               <a:avLst/>
@@ -3055,10 +3055,10 @@
         </p:pic>
         <p:pic>
           <p:nvPicPr>
-            <p:cNvPr id="11" name="Picture 10">
+            <p:cNvPr id="12" name="Picture 11">
               <a:extLst>
                 <a:ext uri="{FF2B5EF4-FFF2-40B4-BE49-F238E27FC236}">
-                  <a16:creationId xmlns:a16="http://schemas.microsoft.com/office/drawing/2014/main" id="{6AC91592-AB62-701B-E40B-21D334B74AA7}"/>
+                  <a16:creationId xmlns:a16="http://schemas.microsoft.com/office/drawing/2014/main" id="{6AF85026-C388-0A14-FD6B-1850AB8F2B45}"/>
                 </a:ext>
               </a:extLst>
             </p:cNvPr>
@@ -3075,8 +3075,8 @@
           </p:blipFill>
           <p:spPr>
             <a:xfrm>
-              <a:off x="4338374" y="0"/>
-              <a:ext cx="4235823" cy="5486400"/>
+              <a:off x="4720047" y="0"/>
+              <a:ext cx="4284566" cy="4720046"/>
             </a:xfrm>
             <a:prstGeom prst="rect">
               <a:avLst/>
@@ -3100,7 +3100,7 @@
         </p:nvSpPr>
         <p:spPr>
           <a:xfrm>
-            <a:off x="3852554" y="2616436"/>
+            <a:off x="4034748" y="3118231"/>
             <a:ext cx="508512" cy="508512"/>
           </a:xfrm>
           <a:prstGeom prst="ellipse">
@@ -3165,8 +3165,8 @@
         </p:nvSpPr>
         <p:spPr>
           <a:xfrm>
-            <a:off x="90173" y="2652820"/>
-            <a:ext cx="1738785" cy="217872"/>
+            <a:off x="62234" y="2952683"/>
+            <a:ext cx="1921983" cy="217872"/>
           </a:xfrm>
           <a:prstGeom prst="rect">
             <a:avLst/>
@@ -3220,7 +3220,7 @@
         </p:nvSpPr>
         <p:spPr>
           <a:xfrm>
-            <a:off x="6181647" y="0"/>
+            <a:off x="6477739" y="473557"/>
             <a:ext cx="508512" cy="508512"/>
           </a:xfrm>
           <a:prstGeom prst="ellipse">
@@ -3287,7 +3287,7 @@
         </p:nvSpPr>
         <p:spPr>
           <a:xfrm>
-            <a:off x="1546763" y="2253244"/>
+            <a:off x="1475705" y="2398564"/>
             <a:ext cx="508512" cy="508512"/>
           </a:xfrm>
           <a:prstGeom prst="ellipse">
@@ -3335,59 +3335,6 @@
               <a:latin typeface="Arial" panose="020B0604020202020204" pitchFamily="34" charset="0"/>
               <a:cs typeface="Arial" panose="020B0604020202020204" pitchFamily="34" charset="0"/>
             </a:endParaRPr>
-          </a:p>
-        </p:txBody>
-      </p:sp>
-      <p:sp>
-        <p:nvSpPr>
-          <p:cNvPr id="15" name="Rectangle 14">
-            <a:extLst>
-              <a:ext uri="{FF2B5EF4-FFF2-40B4-BE49-F238E27FC236}">
-                <a16:creationId xmlns:a16="http://schemas.microsoft.com/office/drawing/2014/main" id="{43EF4F48-C0F9-A6E7-851F-4ED613CE0B2B}"/>
-              </a:ext>
-            </a:extLst>
-          </p:cNvPr>
-          <p:cNvSpPr/>
-          <p:nvPr/>
-        </p:nvSpPr>
-        <p:spPr>
-          <a:xfrm>
-            <a:off x="3065780" y="2974340"/>
-            <a:ext cx="919480" cy="196215"/>
-          </a:xfrm>
-          <a:prstGeom prst="rect">
-            <a:avLst/>
-          </a:prstGeom>
-          <a:noFill/>
-          <a:ln w="28575">
-            <a:solidFill>
-              <a:srgbClr val="F4B183"/>
-            </a:solidFill>
-            <a:prstDash val="sysDot"/>
-          </a:ln>
-        </p:spPr>
-        <p:style>
-          <a:lnRef idx="2">
-            <a:schemeClr val="accent1">
-              <a:shade val="15000"/>
-            </a:schemeClr>
-          </a:lnRef>
-          <a:fillRef idx="1">
-            <a:schemeClr val="accent1"/>
-          </a:fillRef>
-          <a:effectRef idx="0">
-            <a:schemeClr val="accent1"/>
-          </a:effectRef>
-          <a:fontRef idx="minor">
-            <a:schemeClr val="lt1"/>
-          </a:fontRef>
-        </p:style>
-        <p:txBody>
-          <a:bodyPr rtlCol="0" anchor="ctr"/>
-          <a:lstStyle/>
-          <a:p>
-            <a:pPr algn="ctr"/>
-            <a:endParaRPr lang="en-SE"/>
           </a:p>
         </p:txBody>
       </p:sp>
